--- a/训练中心创客交叉融合空间建设/admin/创新创业辅修专业/学生培养过程架构.pptx
+++ b/训练中心创客交叉融合空间建设/admin/创新创业辅修专业/学生培养过程架构.pptx
@@ -288,7 +288,7 @@
           <a:p>
             <a:fld id="{A4A3C66C-BD52-B14C-AD41-D521F28829C9}" type="datetimeFigureOut">
               <a:rPr kumimoji="1" lang="zh-CN" altLang="en-US" smtClean="0"/>
-              <a:t>15/10/10</a:t>
+              <a:t>15/10/15</a:t>
             </a:fld>
             <a:endParaRPr kumimoji="1" lang="zh-CN" altLang="en-US"/>
           </a:p>
@@ -458,7 +458,7 @@
           <a:p>
             <a:fld id="{A4A3C66C-BD52-B14C-AD41-D521F28829C9}" type="datetimeFigureOut">
               <a:rPr kumimoji="1" lang="zh-CN" altLang="en-US" smtClean="0"/>
-              <a:t>15/10/10</a:t>
+              <a:t>15/10/15</a:t>
             </a:fld>
             <a:endParaRPr kumimoji="1" lang="zh-CN" altLang="en-US"/>
           </a:p>
@@ -638,7 +638,7 @@
           <a:p>
             <a:fld id="{A4A3C66C-BD52-B14C-AD41-D521F28829C9}" type="datetimeFigureOut">
               <a:rPr kumimoji="1" lang="zh-CN" altLang="en-US" smtClean="0"/>
-              <a:t>15/10/10</a:t>
+              <a:t>15/10/15</a:t>
             </a:fld>
             <a:endParaRPr kumimoji="1" lang="zh-CN" altLang="en-US"/>
           </a:p>
@@ -808,7 +808,7 @@
           <a:p>
             <a:fld id="{A4A3C66C-BD52-B14C-AD41-D521F28829C9}" type="datetimeFigureOut">
               <a:rPr kumimoji="1" lang="zh-CN" altLang="en-US" smtClean="0"/>
-              <a:t>15/10/10</a:t>
+              <a:t>15/10/15</a:t>
             </a:fld>
             <a:endParaRPr kumimoji="1" lang="zh-CN" altLang="en-US"/>
           </a:p>
@@ -1054,7 +1054,7 @@
           <a:p>
             <a:fld id="{A4A3C66C-BD52-B14C-AD41-D521F28829C9}" type="datetimeFigureOut">
               <a:rPr kumimoji="1" lang="zh-CN" altLang="en-US" smtClean="0"/>
-              <a:t>15/10/10</a:t>
+              <a:t>15/10/15</a:t>
             </a:fld>
             <a:endParaRPr kumimoji="1" lang="zh-CN" altLang="en-US"/>
           </a:p>
@@ -1342,7 +1342,7 @@
           <a:p>
             <a:fld id="{A4A3C66C-BD52-B14C-AD41-D521F28829C9}" type="datetimeFigureOut">
               <a:rPr kumimoji="1" lang="zh-CN" altLang="en-US" smtClean="0"/>
-              <a:t>15/10/10</a:t>
+              <a:t>15/10/15</a:t>
             </a:fld>
             <a:endParaRPr kumimoji="1" lang="zh-CN" altLang="en-US"/>
           </a:p>
@@ -1764,7 +1764,7 @@
           <a:p>
             <a:fld id="{A4A3C66C-BD52-B14C-AD41-D521F28829C9}" type="datetimeFigureOut">
               <a:rPr kumimoji="1" lang="zh-CN" altLang="en-US" smtClean="0"/>
-              <a:t>15/10/10</a:t>
+              <a:t>15/10/15</a:t>
             </a:fld>
             <a:endParaRPr kumimoji="1" lang="zh-CN" altLang="en-US"/>
           </a:p>
@@ -1882,7 +1882,7 @@
           <a:p>
             <a:fld id="{A4A3C66C-BD52-B14C-AD41-D521F28829C9}" type="datetimeFigureOut">
               <a:rPr kumimoji="1" lang="zh-CN" altLang="en-US" smtClean="0"/>
-              <a:t>15/10/10</a:t>
+              <a:t>15/10/15</a:t>
             </a:fld>
             <a:endParaRPr kumimoji="1" lang="zh-CN" altLang="en-US"/>
           </a:p>
@@ -1977,7 +1977,7 @@
           <a:p>
             <a:fld id="{A4A3C66C-BD52-B14C-AD41-D521F28829C9}" type="datetimeFigureOut">
               <a:rPr kumimoji="1" lang="zh-CN" altLang="en-US" smtClean="0"/>
-              <a:t>15/10/10</a:t>
+              <a:t>15/10/15</a:t>
             </a:fld>
             <a:endParaRPr kumimoji="1" lang="zh-CN" altLang="en-US"/>
           </a:p>
@@ -2254,7 +2254,7 @@
           <a:p>
             <a:fld id="{A4A3C66C-BD52-B14C-AD41-D521F28829C9}" type="datetimeFigureOut">
               <a:rPr kumimoji="1" lang="zh-CN" altLang="en-US" smtClean="0"/>
-              <a:t>15/10/10</a:t>
+              <a:t>15/10/15</a:t>
             </a:fld>
             <a:endParaRPr kumimoji="1" lang="zh-CN" altLang="en-US"/>
           </a:p>
@@ -2507,7 +2507,7 @@
           <a:p>
             <a:fld id="{A4A3C66C-BD52-B14C-AD41-D521F28829C9}" type="datetimeFigureOut">
               <a:rPr kumimoji="1" lang="zh-CN" altLang="en-US" smtClean="0"/>
-              <a:t>15/10/10</a:t>
+              <a:t>15/10/15</a:t>
             </a:fld>
             <a:endParaRPr kumimoji="1" lang="zh-CN" altLang="en-US"/>
           </a:p>
@@ -2720,7 +2720,7 @@
           <a:p>
             <a:fld id="{A4A3C66C-BD52-B14C-AD41-D521F28829C9}" type="datetimeFigureOut">
               <a:rPr kumimoji="1" lang="zh-CN" altLang="en-US" smtClean="0"/>
-              <a:t>15/10/10</a:t>
+              <a:t>15/10/15</a:t>
             </a:fld>
             <a:endParaRPr kumimoji="1" lang="zh-CN" altLang="en-US"/>
           </a:p>
@@ -3103,7 +3103,7 @@
         </p:nvSpPr>
         <p:spPr>
           <a:xfrm>
-            <a:off x="508000" y="996461"/>
+            <a:off x="508000" y="1749885"/>
             <a:ext cx="543739" cy="307777"/>
           </a:xfrm>
           <a:prstGeom prst="rect">
@@ -3263,7 +3263,7 @@
         </p:nvSpPr>
         <p:spPr>
           <a:xfrm>
-            <a:off x="6096001" y="1276512"/>
+            <a:off x="4649812" y="1276512"/>
             <a:ext cx="569387" cy="276999"/>
           </a:xfrm>
           <a:prstGeom prst="rect">
@@ -3309,8 +3309,8 @@
         </p:nvSpPr>
         <p:spPr>
           <a:xfrm>
-            <a:off x="1445846" y="1745437"/>
-            <a:ext cx="1619998" cy="431999"/>
+            <a:off x="1445846" y="1699691"/>
+            <a:ext cx="1619998" cy="477745"/>
           </a:xfrm>
           <a:prstGeom prst="roundRect">
             <a:avLst/>
@@ -3391,11 +3391,6 @@
               </a:rPr>
               <a:t>学分</a:t>
             </a:r>
-            <a:endParaRPr kumimoji="1" lang="zh-CN" altLang="en-US" sz="1000" dirty="0">
-              <a:latin typeface="黑体"/>
-              <a:ea typeface="黑体"/>
-              <a:cs typeface="黑体"/>
-            </a:endParaRPr>
           </a:p>
         </p:txBody>
       </p:sp>
@@ -3408,7 +3403,7 @@
         <p:spPr>
           <a:xfrm>
             <a:off x="1445846" y="4726407"/>
-            <a:ext cx="2160000" cy="432000"/>
+            <a:ext cx="1327839" cy="549584"/>
           </a:xfrm>
           <a:prstGeom prst="roundRect">
             <a:avLst/>
@@ -3497,8 +3492,8 @@
         </p:nvSpPr>
         <p:spPr>
           <a:xfrm>
-            <a:off x="3881639" y="1745436"/>
-            <a:ext cx="2160000" cy="432000"/>
+            <a:off x="3831092" y="1699691"/>
+            <a:ext cx="2335462" cy="477746"/>
           </a:xfrm>
           <a:prstGeom prst="roundRect">
             <a:avLst/>
@@ -3556,12 +3551,28 @@
           <a:p>
             <a:pPr algn="ctr"/>
             <a:r>
+              <a:rPr kumimoji="1" lang="en-US" altLang="zh-CN" sz="1000" dirty="0" smtClean="0">
+                <a:latin typeface="黑体"/>
+                <a:ea typeface="黑体"/>
+                <a:cs typeface="黑体"/>
+              </a:rPr>
+              <a:t>USC</a:t>
+            </a:r>
+            <a:r>
               <a:rPr kumimoji="1" lang="zh-CN" altLang="en-US" sz="1000" dirty="0" smtClean="0">
                 <a:latin typeface="黑体"/>
                 <a:ea typeface="黑体"/>
                 <a:cs typeface="黑体"/>
               </a:rPr>
-              <a:t>卢志扬，刘昂（</a:t>
+              <a:t>卢志扬</a:t>
+            </a:r>
+            <a:r>
+              <a:rPr kumimoji="1" lang="zh-CN" altLang="en-US" sz="1000" dirty="0" smtClean="0">
+                <a:latin typeface="黑体"/>
+                <a:ea typeface="黑体"/>
+                <a:cs typeface="黑体"/>
+              </a:rPr>
+              <a:t>，刘昂（</a:t>
             </a:r>
             <a:r>
               <a:rPr kumimoji="1" lang="en-US" altLang="zh-CN" sz="1000" dirty="0" err="1" smtClean="0">
@@ -3611,8 +3622,8 @@
         </p:nvSpPr>
         <p:spPr>
           <a:xfrm>
-            <a:off x="6239280" y="1745436"/>
-            <a:ext cx="2160000" cy="432000"/>
+            <a:off x="3936001" y="4726406"/>
+            <a:ext cx="2160000" cy="549585"/>
           </a:xfrm>
           <a:prstGeom prst="roundRect">
             <a:avLst/>
@@ -3662,12 +3673,60 @@
           <a:p>
             <a:pPr algn="ctr"/>
             <a:r>
+              <a:rPr kumimoji="1" lang="zh-CN" altLang="en-US" sz="1000" dirty="0">
+                <a:latin typeface="黑体"/>
+                <a:ea typeface="黑体"/>
+                <a:cs typeface="黑体"/>
+              </a:rPr>
+              <a:t>美院</a:t>
+            </a:r>
+            <a:r>
               <a:rPr kumimoji="1" lang="zh-CN" altLang="en-US" sz="1000" dirty="0" smtClean="0">
                 <a:latin typeface="黑体"/>
                 <a:ea typeface="黑体"/>
                 <a:cs typeface="黑体"/>
               </a:rPr>
-              <a:t>美院刘新，自动化张林鍹，</a:t>
+              <a:t>付志勇，</a:t>
+            </a:r>
+            <a:r>
+              <a:rPr kumimoji="1" lang="zh-CN" altLang="en-US" sz="1000" dirty="0" smtClean="0">
+                <a:latin typeface="黑体"/>
+                <a:ea typeface="黑体"/>
+                <a:cs typeface="黑体"/>
+              </a:rPr>
+              <a:t>刘</a:t>
+            </a:r>
+            <a:r>
+              <a:rPr kumimoji="1" lang="zh-CN" altLang="en-US" sz="1000" dirty="0">
+                <a:latin typeface="黑体"/>
+                <a:ea typeface="黑体"/>
+                <a:cs typeface="黑体"/>
+              </a:rPr>
+              <a:t>新，自动化张林鍹</a:t>
+            </a:r>
+            <a:r>
+              <a:rPr kumimoji="1" lang="zh-CN" altLang="zh-CN" sz="1000" dirty="0" smtClean="0">
+                <a:latin typeface="黑体"/>
+                <a:ea typeface="黑体"/>
+                <a:cs typeface="黑体"/>
+              </a:rPr>
+              <a:t>，</a:t>
+            </a:r>
+            <a:r>
+              <a:rPr kumimoji="1" lang="zh-CN" altLang="en-US" sz="1000" dirty="0" smtClean="0">
+                <a:latin typeface="黑体"/>
+                <a:ea typeface="黑体"/>
+                <a:cs typeface="黑体"/>
+              </a:rPr>
+              <a:t>机械系设计所</a:t>
+            </a:r>
+            <a:r>
+              <a:rPr kumimoji="1" lang="zh-CN" altLang="en-US" sz="1000" dirty="0" smtClean="0">
+                <a:latin typeface="黑体"/>
+                <a:ea typeface="黑体"/>
+                <a:cs typeface="黑体"/>
+              </a:rPr>
+              <a:t>，</a:t>
             </a:r>
             <a:r>
               <a:rPr kumimoji="1" lang="en-US" altLang="zh-CN" sz="1000" dirty="0" smtClean="0">
@@ -3675,7 +3734,7 @@
                 <a:ea typeface="黑体"/>
                 <a:cs typeface="黑体"/>
               </a:rPr>
-              <a:t>4</a:t>
+              <a:t>3</a:t>
             </a:r>
             <a:r>
               <a:rPr kumimoji="1" lang="zh-CN" altLang="en-US" sz="1000" dirty="0" smtClean="0">
@@ -3701,8 +3760,8 @@
         </p:nvSpPr>
         <p:spPr>
           <a:xfrm>
-            <a:off x="6239280" y="4726407"/>
-            <a:ext cx="2160000" cy="432000"/>
+            <a:off x="6579635" y="1699691"/>
+            <a:ext cx="2160000" cy="477746"/>
           </a:xfrm>
           <a:prstGeom prst="roundRect">
             <a:avLst/>
@@ -3757,7 +3816,15 @@
                 <a:ea typeface="黑体"/>
                 <a:cs typeface="黑体"/>
               </a:rPr>
-              <a:t>经管学院，</a:t>
+              <a:t>经管学院</a:t>
+            </a:r>
+            <a:r>
+              <a:rPr kumimoji="1" lang="zh-CN" altLang="en-US" sz="1000" dirty="0" smtClean="0">
+                <a:latin typeface="黑体"/>
+                <a:ea typeface="黑体"/>
+                <a:cs typeface="黑体"/>
+              </a:rPr>
+              <a:t>，</a:t>
             </a:r>
             <a:r>
               <a:rPr kumimoji="1" lang="en-US" altLang="zh-CN" sz="1000" dirty="0" smtClean="0">
@@ -3765,7 +3832,7 @@
                 <a:ea typeface="黑体"/>
                 <a:cs typeface="黑体"/>
               </a:rPr>
-              <a:t>4</a:t>
+              <a:t>3</a:t>
             </a:r>
             <a:r>
               <a:rPr kumimoji="1" lang="zh-CN" altLang="en-US" sz="1000" dirty="0" smtClean="0">
@@ -3823,7 +3890,7 @@
                 <a:ea typeface="黑体"/>
                 <a:cs typeface="黑体"/>
               </a:rPr>
-              <a:t>7. </a:t>
+              <a:t>6. </a:t>
             </a:r>
             <a:r>
               <a:rPr kumimoji="1" lang="zh-CN" altLang="en-US" sz="1000" dirty="0" smtClean="0">
@@ -3854,6 +3921,682 @@
               <a:ea typeface="黑体"/>
               <a:cs typeface="黑体"/>
             </a:endParaRPr>
+          </a:p>
+        </p:txBody>
+      </p:sp>
+      <p:sp>
+        <p:nvSpPr>
+          <p:cNvPr id="2" name="下箭头 1"/>
+          <p:cNvSpPr/>
+          <p:nvPr/>
+        </p:nvSpPr>
+        <p:spPr>
+          <a:xfrm>
+            <a:off x="2375639" y="2280999"/>
+            <a:ext cx="214463" cy="846686"/>
+          </a:xfrm>
+          <a:prstGeom prst="downArrow">
+            <a:avLst/>
+          </a:prstGeom>
+        </p:spPr>
+        <p:style>
+          <a:lnRef idx="1">
+            <a:schemeClr val="accent1"/>
+          </a:lnRef>
+          <a:fillRef idx="3">
+            <a:schemeClr val="accent1"/>
+          </a:fillRef>
+          <a:effectRef idx="2">
+            <a:schemeClr val="accent1"/>
+          </a:effectRef>
+          <a:fontRef idx="minor">
+            <a:schemeClr val="lt1"/>
+          </a:fontRef>
+        </p:style>
+        <p:txBody>
+          <a:bodyPr rtlCol="0" anchor="ctr"/>
+          <a:lstStyle/>
+          <a:p>
+            <a:pPr algn="ctr"/>
+            <a:endParaRPr kumimoji="1" lang="zh-CN" altLang="en-US"/>
+          </a:p>
+        </p:txBody>
+      </p:sp>
+      <p:sp>
+        <p:nvSpPr>
+          <p:cNvPr id="3" name="右箭头 2"/>
+          <p:cNvSpPr/>
+          <p:nvPr/>
+        </p:nvSpPr>
+        <p:spPr>
+          <a:xfrm>
+            <a:off x="3317050" y="2040181"/>
+            <a:ext cx="265364" cy="2925619"/>
+          </a:xfrm>
+          <a:prstGeom prst="rightArrow">
+            <a:avLst/>
+          </a:prstGeom>
+        </p:spPr>
+        <p:style>
+          <a:lnRef idx="1">
+            <a:schemeClr val="accent1"/>
+          </a:lnRef>
+          <a:fillRef idx="3">
+            <a:schemeClr val="accent1"/>
+          </a:fillRef>
+          <a:effectRef idx="2">
+            <a:schemeClr val="accent1"/>
+          </a:effectRef>
+          <a:fontRef idx="minor">
+            <a:schemeClr val="lt1"/>
+          </a:fontRef>
+        </p:style>
+        <p:txBody>
+          <a:bodyPr rtlCol="0" anchor="ctr"/>
+          <a:lstStyle/>
+          <a:p>
+            <a:pPr algn="ctr"/>
+            <a:endParaRPr kumimoji="1" lang="zh-CN" altLang="en-US"/>
+          </a:p>
+        </p:txBody>
+      </p:sp>
+      <p:sp>
+        <p:nvSpPr>
+          <p:cNvPr id="18" name="下箭头 17"/>
+          <p:cNvSpPr/>
+          <p:nvPr/>
+        </p:nvSpPr>
+        <p:spPr>
+          <a:xfrm>
+            <a:off x="2375639" y="3797451"/>
+            <a:ext cx="214463" cy="846686"/>
+          </a:xfrm>
+          <a:prstGeom prst="downArrow">
+            <a:avLst/>
+          </a:prstGeom>
+        </p:spPr>
+        <p:style>
+          <a:lnRef idx="1">
+            <a:schemeClr val="accent1"/>
+          </a:lnRef>
+          <a:fillRef idx="3">
+            <a:schemeClr val="accent1"/>
+          </a:fillRef>
+          <a:effectRef idx="2">
+            <a:schemeClr val="accent1"/>
+          </a:effectRef>
+          <a:fontRef idx="minor">
+            <a:schemeClr val="lt1"/>
+          </a:fontRef>
+        </p:style>
+        <p:txBody>
+          <a:bodyPr rtlCol="0" anchor="ctr"/>
+          <a:lstStyle/>
+          <a:p>
+            <a:pPr algn="ctr"/>
+            <a:endParaRPr kumimoji="1" lang="zh-CN" altLang="en-US"/>
+          </a:p>
+        </p:txBody>
+      </p:sp>
+      <p:sp>
+        <p:nvSpPr>
+          <p:cNvPr id="19" name="下箭头 18"/>
+          <p:cNvSpPr/>
+          <p:nvPr/>
+        </p:nvSpPr>
+        <p:spPr>
+          <a:xfrm>
+            <a:off x="4934506" y="2280999"/>
+            <a:ext cx="214463" cy="846686"/>
+          </a:xfrm>
+          <a:prstGeom prst="downArrow">
+            <a:avLst/>
+          </a:prstGeom>
+        </p:spPr>
+        <p:style>
+          <a:lnRef idx="1">
+            <a:schemeClr val="accent1"/>
+          </a:lnRef>
+          <a:fillRef idx="3">
+            <a:schemeClr val="accent1"/>
+          </a:fillRef>
+          <a:effectRef idx="2">
+            <a:schemeClr val="accent1"/>
+          </a:effectRef>
+          <a:fontRef idx="minor">
+            <a:schemeClr val="lt1"/>
+          </a:fontRef>
+        </p:style>
+        <p:txBody>
+          <a:bodyPr rtlCol="0" anchor="ctr"/>
+          <a:lstStyle/>
+          <a:p>
+            <a:pPr algn="ctr"/>
+            <a:endParaRPr kumimoji="1" lang="zh-CN" altLang="en-US"/>
+          </a:p>
+        </p:txBody>
+      </p:sp>
+      <p:sp>
+        <p:nvSpPr>
+          <p:cNvPr id="20" name="下箭头 19"/>
+          <p:cNvSpPr/>
+          <p:nvPr/>
+        </p:nvSpPr>
+        <p:spPr>
+          <a:xfrm>
+            <a:off x="4934506" y="3797451"/>
+            <a:ext cx="214463" cy="846686"/>
+          </a:xfrm>
+          <a:prstGeom prst="downArrow">
+            <a:avLst/>
+          </a:prstGeom>
+        </p:spPr>
+        <p:style>
+          <a:lnRef idx="1">
+            <a:schemeClr val="accent1"/>
+          </a:lnRef>
+          <a:fillRef idx="3">
+            <a:schemeClr val="accent1"/>
+          </a:fillRef>
+          <a:effectRef idx="2">
+            <a:schemeClr val="accent1"/>
+          </a:effectRef>
+          <a:fontRef idx="minor">
+            <a:schemeClr val="lt1"/>
+          </a:fontRef>
+        </p:style>
+        <p:txBody>
+          <a:bodyPr rtlCol="0" anchor="ctr"/>
+          <a:lstStyle/>
+          <a:p>
+            <a:pPr algn="ctr"/>
+            <a:endParaRPr kumimoji="1" lang="zh-CN" altLang="en-US"/>
+          </a:p>
+        </p:txBody>
+      </p:sp>
+      <p:sp>
+        <p:nvSpPr>
+          <p:cNvPr id="23" name="右箭头 22"/>
+          <p:cNvSpPr/>
+          <p:nvPr/>
+        </p:nvSpPr>
+        <p:spPr>
+          <a:xfrm>
+            <a:off x="6166554" y="2040181"/>
+            <a:ext cx="265364" cy="2925619"/>
+          </a:xfrm>
+          <a:prstGeom prst="rightArrow">
+            <a:avLst/>
+          </a:prstGeom>
+        </p:spPr>
+        <p:style>
+          <a:lnRef idx="1">
+            <a:schemeClr val="accent1"/>
+          </a:lnRef>
+          <a:fillRef idx="3">
+            <a:schemeClr val="accent1"/>
+          </a:fillRef>
+          <a:effectRef idx="2">
+            <a:schemeClr val="accent1"/>
+          </a:effectRef>
+          <a:fontRef idx="minor">
+            <a:schemeClr val="lt1"/>
+          </a:fontRef>
+        </p:style>
+        <p:txBody>
+          <a:bodyPr rtlCol="0" anchor="ctr"/>
+          <a:lstStyle/>
+          <a:p>
+            <a:pPr algn="ctr"/>
+            <a:endParaRPr kumimoji="1" lang="zh-CN" altLang="en-US"/>
+          </a:p>
+        </p:txBody>
+      </p:sp>
+      <p:sp>
+        <p:nvSpPr>
+          <p:cNvPr id="24" name="圆角矩形 23"/>
+          <p:cNvSpPr/>
+          <p:nvPr/>
+        </p:nvSpPr>
+        <p:spPr>
+          <a:xfrm>
+            <a:off x="6579635" y="4726407"/>
+            <a:ext cx="2160000" cy="549584"/>
+          </a:xfrm>
+          <a:prstGeom prst="roundRect">
+            <a:avLst/>
+          </a:prstGeom>
+        </p:spPr>
+        <p:style>
+          <a:lnRef idx="2">
+            <a:schemeClr val="accent1"/>
+          </a:lnRef>
+          <a:fillRef idx="1">
+            <a:schemeClr val="lt1"/>
+          </a:fillRef>
+          <a:effectRef idx="0">
+            <a:schemeClr val="accent1"/>
+          </a:effectRef>
+          <a:fontRef idx="minor">
+            <a:schemeClr val="dk1"/>
+          </a:fontRef>
+        </p:style>
+        <p:txBody>
+          <a:bodyPr rtlCol="0" anchor="ctr"/>
+          <a:lstStyle/>
+          <a:p>
+            <a:pPr algn="ctr"/>
+            <a:r>
+              <a:rPr kumimoji="1" lang="en-US" altLang="zh-CN" sz="1000" dirty="0" smtClean="0">
+                <a:latin typeface="黑体"/>
+                <a:ea typeface="黑体"/>
+                <a:cs typeface="黑体"/>
+              </a:rPr>
+              <a:t>4. </a:t>
+            </a:r>
+            <a:r>
+              <a:rPr kumimoji="1" lang="zh-CN" altLang="en-US" sz="1000" dirty="0" smtClean="0">
+                <a:latin typeface="黑体"/>
+                <a:ea typeface="黑体"/>
+                <a:cs typeface="黑体"/>
+              </a:rPr>
+              <a:t>数字化出版</a:t>
+            </a:r>
+            <a:endParaRPr kumimoji="1" lang="en-US" altLang="zh-CN" sz="1000" dirty="0" smtClean="0">
+              <a:latin typeface="黑体"/>
+              <a:ea typeface="黑体"/>
+              <a:cs typeface="黑体"/>
+            </a:endParaRPr>
+          </a:p>
+          <a:p>
+            <a:pPr algn="ctr"/>
+            <a:r>
+              <a:rPr kumimoji="1" lang="zh-CN" altLang="en-US" sz="1000" dirty="0" smtClean="0">
+                <a:latin typeface="黑体"/>
+                <a:ea typeface="黑体"/>
+                <a:cs typeface="黑体"/>
+              </a:rPr>
+              <a:t>顾学雍</a:t>
+            </a:r>
+            <a:r>
+              <a:rPr kumimoji="1" lang="zh-CN" altLang="en-US" sz="1000" dirty="0" smtClean="0">
+                <a:latin typeface="黑体"/>
+                <a:ea typeface="黑体"/>
+                <a:cs typeface="黑体"/>
+              </a:rPr>
+              <a:t>，</a:t>
+            </a:r>
+            <a:r>
+              <a:rPr kumimoji="1" lang="zh-CN" altLang="zh-CN" sz="1000" dirty="0">
+                <a:latin typeface="黑体"/>
+                <a:ea typeface="黑体"/>
+                <a:cs typeface="黑体"/>
+              </a:rPr>
+              <a:t>2</a:t>
+            </a:r>
+            <a:r>
+              <a:rPr kumimoji="1" lang="zh-CN" altLang="en-US" sz="1000" dirty="0" smtClean="0">
+                <a:latin typeface="黑体"/>
+                <a:ea typeface="黑体"/>
+                <a:cs typeface="黑体"/>
+              </a:rPr>
+              <a:t>学分</a:t>
+            </a:r>
+            <a:endParaRPr kumimoji="1" lang="en-US" altLang="zh-CN" sz="1000" dirty="0" smtClean="0">
+              <a:latin typeface="黑体"/>
+              <a:ea typeface="黑体"/>
+              <a:cs typeface="黑体"/>
+            </a:endParaRPr>
+          </a:p>
+        </p:txBody>
+      </p:sp>
+      <p:sp>
+        <p:nvSpPr>
+          <p:cNvPr id="25" name="文本框 24"/>
+          <p:cNvSpPr txBox="1"/>
+          <p:nvPr/>
+        </p:nvSpPr>
+        <p:spPr>
+          <a:xfrm>
+            <a:off x="7467724" y="1276512"/>
+            <a:ext cx="569387" cy="276999"/>
+          </a:xfrm>
+          <a:prstGeom prst="rect">
+            <a:avLst/>
+          </a:prstGeom>
+          <a:noFill/>
+        </p:spPr>
+        <p:txBody>
+          <a:bodyPr wrap="none" rtlCol="0">
+            <a:spAutoFit/>
+          </a:bodyPr>
+          <a:lstStyle/>
+          <a:p>
+            <a:r>
+              <a:rPr kumimoji="1" lang="zh-CN" altLang="en-US" sz="1200" dirty="0" smtClean="0">
+                <a:latin typeface="华文仿宋"/>
+                <a:ea typeface="华文仿宋"/>
+                <a:cs typeface="华文仿宋"/>
+              </a:rPr>
+              <a:t>节点</a:t>
+            </a:r>
+            <a:r>
+              <a:rPr kumimoji="1" lang="en-US" altLang="zh-CN" sz="1200" dirty="0" smtClean="0">
+                <a:latin typeface="华文仿宋"/>
+                <a:ea typeface="华文仿宋"/>
+                <a:cs typeface="华文仿宋"/>
+              </a:rPr>
+              <a:t>3</a:t>
+            </a:r>
+            <a:endParaRPr kumimoji="1" lang="zh-CN" altLang="en-US" sz="1200" dirty="0">
+              <a:latin typeface="华文仿宋"/>
+              <a:ea typeface="华文仿宋"/>
+              <a:cs typeface="华文仿宋"/>
+            </a:endParaRPr>
+          </a:p>
+        </p:txBody>
+      </p:sp>
+      <p:sp>
+        <p:nvSpPr>
+          <p:cNvPr id="26" name="下箭头 25"/>
+          <p:cNvSpPr/>
+          <p:nvPr/>
+        </p:nvSpPr>
+        <p:spPr>
+          <a:xfrm>
+            <a:off x="7607100" y="2280999"/>
+            <a:ext cx="214463" cy="846686"/>
+          </a:xfrm>
+          <a:prstGeom prst="downArrow">
+            <a:avLst/>
+          </a:prstGeom>
+        </p:spPr>
+        <p:style>
+          <a:lnRef idx="1">
+            <a:schemeClr val="accent1"/>
+          </a:lnRef>
+          <a:fillRef idx="3">
+            <a:schemeClr val="accent1"/>
+          </a:fillRef>
+          <a:effectRef idx="2">
+            <a:schemeClr val="accent1"/>
+          </a:effectRef>
+          <a:fontRef idx="minor">
+            <a:schemeClr val="lt1"/>
+          </a:fontRef>
+        </p:style>
+        <p:txBody>
+          <a:bodyPr rtlCol="0" anchor="ctr"/>
+          <a:lstStyle/>
+          <a:p>
+            <a:pPr algn="ctr"/>
+            <a:endParaRPr kumimoji="1" lang="zh-CN" altLang="en-US"/>
+          </a:p>
+        </p:txBody>
+      </p:sp>
+      <p:sp>
+        <p:nvSpPr>
+          <p:cNvPr id="27" name="下箭头 26"/>
+          <p:cNvSpPr/>
+          <p:nvPr/>
+        </p:nvSpPr>
+        <p:spPr>
+          <a:xfrm>
+            <a:off x="7607100" y="3797451"/>
+            <a:ext cx="214463" cy="846686"/>
+          </a:xfrm>
+          <a:prstGeom prst="downArrow">
+            <a:avLst/>
+          </a:prstGeom>
+        </p:spPr>
+        <p:style>
+          <a:lnRef idx="1">
+            <a:schemeClr val="accent1"/>
+          </a:lnRef>
+          <a:fillRef idx="3">
+            <a:schemeClr val="accent1"/>
+          </a:fillRef>
+          <a:effectRef idx="2">
+            <a:schemeClr val="accent1"/>
+          </a:effectRef>
+          <a:fontRef idx="minor">
+            <a:schemeClr val="lt1"/>
+          </a:fontRef>
+        </p:style>
+        <p:txBody>
+          <a:bodyPr rtlCol="0" anchor="ctr"/>
+          <a:lstStyle/>
+          <a:p>
+            <a:pPr algn="ctr"/>
+            <a:endParaRPr kumimoji="1" lang="zh-CN" altLang="en-US"/>
+          </a:p>
+        </p:txBody>
+      </p:sp>
+      <p:sp>
+        <p:nvSpPr>
+          <p:cNvPr id="10" name="上箭头 9"/>
+          <p:cNvSpPr/>
+          <p:nvPr/>
+        </p:nvSpPr>
+        <p:spPr>
+          <a:xfrm>
+            <a:off x="2773685" y="2280999"/>
+            <a:ext cx="94773" cy="846686"/>
+          </a:xfrm>
+          <a:prstGeom prst="upArrow">
+            <a:avLst/>
+          </a:prstGeom>
+        </p:spPr>
+        <p:style>
+          <a:lnRef idx="1">
+            <a:schemeClr val="accent1"/>
+          </a:lnRef>
+          <a:fillRef idx="3">
+            <a:schemeClr val="accent1"/>
+          </a:fillRef>
+          <a:effectRef idx="2">
+            <a:schemeClr val="accent1"/>
+          </a:effectRef>
+          <a:fontRef idx="minor">
+            <a:schemeClr val="lt1"/>
+          </a:fontRef>
+        </p:style>
+        <p:txBody>
+          <a:bodyPr rtlCol="0" anchor="ctr"/>
+          <a:lstStyle/>
+          <a:p>
+            <a:pPr algn="ctr"/>
+            <a:endParaRPr kumimoji="1" lang="zh-CN" altLang="en-US"/>
+          </a:p>
+        </p:txBody>
+      </p:sp>
+      <p:sp>
+        <p:nvSpPr>
+          <p:cNvPr id="28" name="上箭头 27"/>
+          <p:cNvSpPr/>
+          <p:nvPr/>
+        </p:nvSpPr>
+        <p:spPr>
+          <a:xfrm>
+            <a:off x="2773685" y="3797451"/>
+            <a:ext cx="94773" cy="846686"/>
+          </a:xfrm>
+          <a:prstGeom prst="upArrow">
+            <a:avLst/>
+          </a:prstGeom>
+        </p:spPr>
+        <p:style>
+          <a:lnRef idx="1">
+            <a:schemeClr val="accent1"/>
+          </a:lnRef>
+          <a:fillRef idx="3">
+            <a:schemeClr val="accent1"/>
+          </a:fillRef>
+          <a:effectRef idx="2">
+            <a:schemeClr val="accent1"/>
+          </a:effectRef>
+          <a:fontRef idx="minor">
+            <a:schemeClr val="lt1"/>
+          </a:fontRef>
+        </p:style>
+        <p:txBody>
+          <a:bodyPr rtlCol="0" anchor="ctr"/>
+          <a:lstStyle/>
+          <a:p>
+            <a:pPr algn="ctr"/>
+            <a:endParaRPr kumimoji="1" lang="zh-CN" altLang="en-US"/>
+          </a:p>
+        </p:txBody>
+      </p:sp>
+      <p:sp>
+        <p:nvSpPr>
+          <p:cNvPr id="30" name="上箭头 29"/>
+          <p:cNvSpPr/>
+          <p:nvPr/>
+        </p:nvSpPr>
+        <p:spPr>
+          <a:xfrm>
+            <a:off x="5219199" y="2280999"/>
+            <a:ext cx="94773" cy="846686"/>
+          </a:xfrm>
+          <a:prstGeom prst="upArrow">
+            <a:avLst/>
+          </a:prstGeom>
+        </p:spPr>
+        <p:style>
+          <a:lnRef idx="1">
+            <a:schemeClr val="accent1"/>
+          </a:lnRef>
+          <a:fillRef idx="3">
+            <a:schemeClr val="accent1"/>
+          </a:fillRef>
+          <a:effectRef idx="2">
+            <a:schemeClr val="accent1"/>
+          </a:effectRef>
+          <a:fontRef idx="minor">
+            <a:schemeClr val="lt1"/>
+          </a:fontRef>
+        </p:style>
+        <p:txBody>
+          <a:bodyPr rtlCol="0" anchor="ctr"/>
+          <a:lstStyle/>
+          <a:p>
+            <a:pPr algn="ctr"/>
+            <a:endParaRPr kumimoji="1" lang="zh-CN" altLang="en-US"/>
+          </a:p>
+        </p:txBody>
+      </p:sp>
+      <p:sp>
+        <p:nvSpPr>
+          <p:cNvPr id="31" name="上箭头 30"/>
+          <p:cNvSpPr/>
+          <p:nvPr/>
+        </p:nvSpPr>
+        <p:spPr>
+          <a:xfrm>
+            <a:off x="5219199" y="3797451"/>
+            <a:ext cx="94773" cy="846686"/>
+          </a:xfrm>
+          <a:prstGeom prst="upArrow">
+            <a:avLst/>
+          </a:prstGeom>
+        </p:spPr>
+        <p:style>
+          <a:lnRef idx="1">
+            <a:schemeClr val="accent1"/>
+          </a:lnRef>
+          <a:fillRef idx="3">
+            <a:schemeClr val="accent1"/>
+          </a:fillRef>
+          <a:effectRef idx="2">
+            <a:schemeClr val="accent1"/>
+          </a:effectRef>
+          <a:fontRef idx="minor">
+            <a:schemeClr val="lt1"/>
+          </a:fontRef>
+        </p:style>
+        <p:txBody>
+          <a:bodyPr rtlCol="0" anchor="ctr"/>
+          <a:lstStyle/>
+          <a:p>
+            <a:pPr algn="ctr"/>
+            <a:endParaRPr kumimoji="1" lang="zh-CN" altLang="en-US"/>
+          </a:p>
+        </p:txBody>
+      </p:sp>
+      <p:sp>
+        <p:nvSpPr>
+          <p:cNvPr id="32" name="上箭头 31"/>
+          <p:cNvSpPr/>
+          <p:nvPr/>
+        </p:nvSpPr>
+        <p:spPr>
+          <a:xfrm>
+            <a:off x="7942338" y="2280999"/>
+            <a:ext cx="94773" cy="846686"/>
+          </a:xfrm>
+          <a:prstGeom prst="upArrow">
+            <a:avLst/>
+          </a:prstGeom>
+        </p:spPr>
+        <p:style>
+          <a:lnRef idx="1">
+            <a:schemeClr val="accent1"/>
+          </a:lnRef>
+          <a:fillRef idx="3">
+            <a:schemeClr val="accent1"/>
+          </a:fillRef>
+          <a:effectRef idx="2">
+            <a:schemeClr val="accent1"/>
+          </a:effectRef>
+          <a:fontRef idx="minor">
+            <a:schemeClr val="lt1"/>
+          </a:fontRef>
+        </p:style>
+        <p:txBody>
+          <a:bodyPr rtlCol="0" anchor="ctr"/>
+          <a:lstStyle/>
+          <a:p>
+            <a:pPr algn="ctr"/>
+            <a:endParaRPr kumimoji="1" lang="zh-CN" altLang="en-US"/>
+          </a:p>
+        </p:txBody>
+      </p:sp>
+      <p:sp>
+        <p:nvSpPr>
+          <p:cNvPr id="33" name="上箭头 32"/>
+          <p:cNvSpPr/>
+          <p:nvPr/>
+        </p:nvSpPr>
+        <p:spPr>
+          <a:xfrm>
+            <a:off x="7942338" y="3797451"/>
+            <a:ext cx="94773" cy="846686"/>
+          </a:xfrm>
+          <a:prstGeom prst="upArrow">
+            <a:avLst/>
+          </a:prstGeom>
+        </p:spPr>
+        <p:style>
+          <a:lnRef idx="1">
+            <a:schemeClr val="accent1"/>
+          </a:lnRef>
+          <a:fillRef idx="3">
+            <a:schemeClr val="accent1"/>
+          </a:fillRef>
+          <a:effectRef idx="2">
+            <a:schemeClr val="accent1"/>
+          </a:effectRef>
+          <a:fontRef idx="minor">
+            <a:schemeClr val="lt1"/>
+          </a:fontRef>
+        </p:style>
+        <p:txBody>
+          <a:bodyPr rtlCol="0" anchor="ctr"/>
+          <a:lstStyle/>
+          <a:p>
+            <a:pPr algn="ctr"/>
+            <a:endParaRPr kumimoji="1" lang="zh-CN" altLang="en-US"/>
           </a:p>
         </p:txBody>
       </p:sp>
